--- a/A Day in the Kremlin.pptx
+++ b/A Day in the Kremlin.pptx
@@ -10,10 +10,15 @@
     <p:sldId id="263" r:id="rId4"/>
     <p:sldId id="257" r:id="rId5"/>
     <p:sldId id="259" r:id="rId6"/>
-    <p:sldId id="261" r:id="rId7"/>
-    <p:sldId id="264" r:id="rId8"/>
-    <p:sldId id="265" r:id="rId9"/>
-    <p:sldId id="262" r:id="rId10"/>
+    <p:sldId id="269" r:id="rId7"/>
+    <p:sldId id="270" r:id="rId8"/>
+    <p:sldId id="261" r:id="rId9"/>
+    <p:sldId id="264" r:id="rId10"/>
+    <p:sldId id="267" r:id="rId11"/>
+    <p:sldId id="268" r:id="rId12"/>
+    <p:sldId id="271" r:id="rId13"/>
+    <p:sldId id="265" r:id="rId14"/>
+    <p:sldId id="262" r:id="rId15"/>
   </p:sldIdLst>
   <p:sldSz cx="12192000" cy="6858000"/>
   <p:notesSz cx="6858000" cy="9144000"/>
@@ -112,6 +117,11 @@
       </a:defRPr>
     </a:lvl9pPr>
   </p:defaultTextStyle>
+  <p:extLst>
+    <p:ext uri="{EFAFB233-063F-42B5-8137-9DF3F51BA10A}">
+      <p15:sldGuideLst xmlns:p15="http://schemas.microsoft.com/office/powerpoint/2012/main"/>
+    </p:ext>
+  </p:extLst>
 </p:presentation>
 </file>
 
@@ -389,7 +399,7 @@
           <a:p>
             <a:fld id="{A92DC96E-15FC-471E-B333-A0E8271C6242}" type="datetimeFigureOut">
               <a:rPr lang="en-GB" smtClean="0"/>
-              <a:t>25/10/2017</a:t>
+              <a:t>26.10.2017 г.</a:t>
             </a:fld>
             <a:endParaRPr lang="en-GB"/>
           </a:p>
@@ -808,7 +818,7 @@
           <a:p>
             <a:fld id="{A92DC96E-15FC-471E-B333-A0E8271C6242}" type="datetimeFigureOut">
               <a:rPr lang="en-GB" smtClean="0"/>
-              <a:t>25/10/2017</a:t>
+              <a:t>26.10.2017 г.</a:t>
             </a:fld>
             <a:endParaRPr lang="en-GB"/>
           </a:p>
@@ -1144,7 +1154,7 @@
           <a:p>
             <a:fld id="{A92DC96E-15FC-471E-B333-A0E8271C6242}" type="datetimeFigureOut">
               <a:rPr lang="en-GB" smtClean="0"/>
-              <a:t>25/10/2017</a:t>
+              <a:t>26.10.2017 г.</a:t>
             </a:fld>
             <a:endParaRPr lang="en-GB"/>
           </a:p>
@@ -1549,7 +1559,7 @@
           <a:p>
             <a:fld id="{A92DC96E-15FC-471E-B333-A0E8271C6242}" type="datetimeFigureOut">
               <a:rPr lang="en-GB" smtClean="0"/>
-              <a:t>25/10/2017</a:t>
+              <a:t>26.10.2017 г.</a:t>
             </a:fld>
             <a:endParaRPr lang="en-GB"/>
           </a:p>
@@ -2117,7 +2127,7 @@
           <a:p>
             <a:fld id="{A92DC96E-15FC-471E-B333-A0E8271C6242}" type="datetimeFigureOut">
               <a:rPr lang="en-GB" smtClean="0"/>
-              <a:t>25/10/2017</a:t>
+              <a:t>26.10.2017 г.</a:t>
             </a:fld>
             <a:endParaRPr lang="en-GB"/>
           </a:p>
@@ -2798,7 +2808,7 @@
           <a:p>
             <a:fld id="{A92DC96E-15FC-471E-B333-A0E8271C6242}" type="datetimeFigureOut">
               <a:rPr lang="en-GB" smtClean="0"/>
-              <a:t>25/10/2017</a:t>
+              <a:t>26.10.2017 г.</a:t>
             </a:fld>
             <a:endParaRPr lang="en-GB"/>
           </a:p>
@@ -3711,7 +3721,7 @@
           <a:p>
             <a:fld id="{A92DC96E-15FC-471E-B333-A0E8271C6242}" type="datetimeFigureOut">
               <a:rPr lang="en-GB" smtClean="0"/>
-              <a:t>25/10/2017</a:t>
+              <a:t>26.10.2017 г.</a:t>
             </a:fld>
             <a:endParaRPr lang="en-GB"/>
           </a:p>
@@ -4024,7 +4034,7 @@
           <a:p>
             <a:fld id="{A92DC96E-15FC-471E-B333-A0E8271C6242}" type="datetimeFigureOut">
               <a:rPr lang="en-GB" smtClean="0"/>
-              <a:t>25/10/2017</a:t>
+              <a:t>26.10.2017 г.</a:t>
             </a:fld>
             <a:endParaRPr lang="en-GB"/>
           </a:p>
@@ -4288,7 +4298,7 @@
           <a:p>
             <a:fld id="{A92DC96E-15FC-471E-B333-A0E8271C6242}" type="datetimeFigureOut">
               <a:rPr lang="en-GB" smtClean="0"/>
-              <a:t>25/10/2017</a:t>
+              <a:t>26.10.2017 г.</a:t>
             </a:fld>
             <a:endParaRPr lang="en-GB"/>
           </a:p>
@@ -4616,7 +4626,7 @@
           <a:p>
             <a:fld id="{A92DC96E-15FC-471E-B333-A0E8271C6242}" type="datetimeFigureOut">
               <a:rPr lang="en-GB" smtClean="0"/>
-              <a:t>25/10/2017</a:t>
+              <a:t>26.10.2017 г.</a:t>
             </a:fld>
             <a:endParaRPr lang="en-GB"/>
           </a:p>
@@ -5005,7 +5015,7 @@
           <a:p>
             <a:fld id="{A92DC96E-15FC-471E-B333-A0E8271C6242}" type="datetimeFigureOut">
               <a:rPr lang="en-GB" smtClean="0"/>
-              <a:t>25/10/2017</a:t>
+              <a:t>26.10.2017 г.</a:t>
             </a:fld>
             <a:endParaRPr lang="en-GB"/>
           </a:p>
@@ -5386,7 +5396,7 @@
           <a:p>
             <a:fld id="{A92DC96E-15FC-471E-B333-A0E8271C6242}" type="datetimeFigureOut">
               <a:rPr lang="en-GB" smtClean="0"/>
-              <a:t>25/10/2017</a:t>
+              <a:t>26.10.2017 г.</a:t>
             </a:fld>
             <a:endParaRPr lang="en-GB"/>
           </a:p>
@@ -5892,7 +5902,7 @@
           <a:p>
             <a:fld id="{A92DC96E-15FC-471E-B333-A0E8271C6242}" type="datetimeFigureOut">
               <a:rPr lang="en-GB" smtClean="0"/>
-              <a:t>25/10/2017</a:t>
+              <a:t>26.10.2017 г.</a:t>
             </a:fld>
             <a:endParaRPr lang="en-GB"/>
           </a:p>
@@ -6149,7 +6159,7 @@
           <a:p>
             <a:fld id="{A92DC96E-15FC-471E-B333-A0E8271C6242}" type="datetimeFigureOut">
               <a:rPr lang="en-GB" smtClean="0"/>
-              <a:t>25/10/2017</a:t>
+              <a:t>26.10.2017 г.</a:t>
             </a:fld>
             <a:endParaRPr lang="en-GB"/>
           </a:p>
@@ -6312,7 +6322,7 @@
           <a:p>
             <a:fld id="{A92DC96E-15FC-471E-B333-A0E8271C6242}" type="datetimeFigureOut">
               <a:rPr lang="en-GB" smtClean="0"/>
-              <a:t>25/10/2017</a:t>
+              <a:t>26.10.2017 г.</a:t>
             </a:fld>
             <a:endParaRPr lang="en-GB"/>
           </a:p>
@@ -6707,7 +6717,7 @@
           <a:p>
             <a:fld id="{A92DC96E-15FC-471E-B333-A0E8271C6242}" type="datetimeFigureOut">
               <a:rPr lang="en-GB" smtClean="0"/>
-              <a:t>25/10/2017</a:t>
+              <a:t>26.10.2017 г.</a:t>
             </a:fld>
             <a:endParaRPr lang="en-GB"/>
           </a:p>
@@ -7121,7 +7131,7 @@
           <a:p>
             <a:fld id="{A92DC96E-15FC-471E-B333-A0E8271C6242}" type="datetimeFigureOut">
               <a:rPr lang="en-GB" smtClean="0"/>
-              <a:t>25/10/2017</a:t>
+              <a:t>26.10.2017 г.</a:t>
             </a:fld>
             <a:endParaRPr lang="en-GB"/>
           </a:p>
@@ -7365,7 +7375,7 @@
           <a:p>
             <a:fld id="{A92DC96E-15FC-471E-B333-A0E8271C6242}" type="datetimeFigureOut">
               <a:rPr lang="en-GB" smtClean="0"/>
-              <a:t>25/10/2017</a:t>
+              <a:t>26.10.2017 г.</a:t>
             </a:fld>
             <a:endParaRPr lang="en-GB"/>
           </a:p>
@@ -7888,6 +7898,601 @@
 </p:sld>
 </file>
 
+<file path=ppt/slides/slide10.xml><?xml version="1.0" encoding="utf-8"?>
+<p:sld xmlns:a="http://schemas.openxmlformats.org/drawingml/2006/main" xmlns:r="http://schemas.openxmlformats.org/officeDocument/2006/relationships" xmlns:p="http://schemas.openxmlformats.org/presentationml/2006/main">
+  <p:cSld>
+    <p:spTree>
+      <p:nvGrpSpPr>
+        <p:cNvPr id="1" name=""/>
+        <p:cNvGrpSpPr/>
+        <p:nvPr/>
+      </p:nvGrpSpPr>
+      <p:grpSpPr>
+        <a:xfrm>
+          <a:off x="0" y="0"/>
+          <a:ext cx="0" cy="0"/>
+          <a:chOff x="0" y="0"/>
+          <a:chExt cx="0" cy="0"/>
+        </a:xfrm>
+      </p:grpSpPr>
+      <p:sp>
+        <p:nvSpPr>
+          <p:cNvPr id="2" name="Title 1"/>
+          <p:cNvSpPr>
+            <a:spLocks noGrp="1"/>
+          </p:cNvSpPr>
+          <p:nvPr>
+            <p:ph type="title"/>
+          </p:nvPr>
+        </p:nvSpPr>
+        <p:spPr/>
+        <p:txBody>
+          <a:bodyPr/>
+          <a:lstStyle/>
+          <a:p>
+            <a:r>
+              <a:rPr lang="en-US" dirty="0" smtClean="0"/>
+              <a:t>Code</a:t>
+            </a:r>
+            <a:endParaRPr lang="bg-BG" dirty="0"/>
+          </a:p>
+        </p:txBody>
+      </p:sp>
+      <p:sp>
+        <p:nvSpPr>
+          <p:cNvPr id="3" name="Content Placeholder 2"/>
+          <p:cNvSpPr>
+            <a:spLocks noGrp="1"/>
+          </p:cNvSpPr>
+          <p:nvPr>
+            <p:ph idx="1"/>
+          </p:nvPr>
+        </p:nvSpPr>
+        <p:spPr>
+          <a:xfrm>
+            <a:off x="680322" y="2336873"/>
+            <a:ext cx="4806930" cy="3599316"/>
+          </a:xfrm>
+        </p:spPr>
+        <p:txBody>
+          <a:bodyPr/>
+          <a:lstStyle/>
+          <a:p>
+            <a:r>
+              <a:rPr lang="en-US" dirty="0" smtClean="0"/>
+              <a:t>The game engine is responsible for handling all of the logic</a:t>
+            </a:r>
+            <a:endParaRPr lang="bg-BG" dirty="0"/>
+          </a:p>
+        </p:txBody>
+      </p:sp>
+      <p:pic>
+        <p:nvPicPr>
+          <p:cNvPr id="5" name="Picture 4"/>
+          <p:cNvPicPr>
+            <a:picLocks noChangeAspect="1"/>
+          </p:cNvPicPr>
+          <p:nvPr/>
+        </p:nvPicPr>
+        <p:blipFill>
+          <a:blip r:embed="rId2">
+            <a:extLst>
+              <a:ext uri="{28A0092B-C50C-407E-A947-70E740481C1C}">
+                <a14:useLocalDpi xmlns:a14="http://schemas.microsoft.com/office/drawing/2010/main" val="0"/>
+              </a:ext>
+            </a:extLst>
+          </a:blip>
+          <a:stretch>
+            <a:fillRect/>
+          </a:stretch>
+        </p:blipFill>
+        <p:spPr>
+          <a:xfrm>
+            <a:off x="5487251" y="2127868"/>
+            <a:ext cx="5812120" cy="4576846"/>
+          </a:xfrm>
+          <a:prstGeom prst="rect">
+            <a:avLst/>
+          </a:prstGeom>
+        </p:spPr>
+      </p:pic>
+      <p:pic>
+        <p:nvPicPr>
+          <p:cNvPr id="6" name="Picture 5"/>
+          <p:cNvPicPr>
+            <a:picLocks noChangeAspect="1"/>
+          </p:cNvPicPr>
+          <p:nvPr/>
+        </p:nvPicPr>
+        <p:blipFill>
+          <a:blip r:embed="rId3">
+            <a:extLst>
+              <a:ext uri="{28A0092B-C50C-407E-A947-70E740481C1C}">
+                <a14:useLocalDpi xmlns:a14="http://schemas.microsoft.com/office/drawing/2010/main" val="0"/>
+              </a:ext>
+            </a:extLst>
+          </a:blip>
+          <a:stretch>
+            <a:fillRect/>
+          </a:stretch>
+        </p:blipFill>
+        <p:spPr>
+          <a:xfrm>
+            <a:off x="114340" y="3839101"/>
+            <a:ext cx="5372910" cy="2599795"/>
+          </a:xfrm>
+          <a:prstGeom prst="rect">
+            <a:avLst/>
+          </a:prstGeom>
+        </p:spPr>
+      </p:pic>
+    </p:spTree>
+    <p:extLst>
+      <p:ext uri="{BB962C8B-B14F-4D97-AF65-F5344CB8AC3E}">
+        <p14:creationId xmlns:p14="http://schemas.microsoft.com/office/powerpoint/2010/main" val="515620709"/>
+      </p:ext>
+    </p:extLst>
+  </p:cSld>
+  <p:clrMapOvr>
+    <a:masterClrMapping/>
+  </p:clrMapOvr>
+</p:sld>
+</file>
+
+<file path=ppt/slides/slide11.xml><?xml version="1.0" encoding="utf-8"?>
+<p:sld xmlns:a="http://schemas.openxmlformats.org/drawingml/2006/main" xmlns:r="http://schemas.openxmlformats.org/officeDocument/2006/relationships" xmlns:p="http://schemas.openxmlformats.org/presentationml/2006/main">
+  <p:cSld>
+    <p:spTree>
+      <p:nvGrpSpPr>
+        <p:cNvPr id="1" name=""/>
+        <p:cNvGrpSpPr/>
+        <p:nvPr/>
+      </p:nvGrpSpPr>
+      <p:grpSpPr>
+        <a:xfrm>
+          <a:off x="0" y="0"/>
+          <a:ext cx="0" cy="0"/>
+          <a:chOff x="0" y="0"/>
+          <a:chExt cx="0" cy="0"/>
+        </a:xfrm>
+      </p:grpSpPr>
+      <p:sp>
+        <p:nvSpPr>
+          <p:cNvPr id="2" name="Title 1"/>
+          <p:cNvSpPr>
+            <a:spLocks noGrp="1"/>
+          </p:cNvSpPr>
+          <p:nvPr>
+            <p:ph type="title"/>
+          </p:nvPr>
+        </p:nvSpPr>
+        <p:spPr/>
+        <p:txBody>
+          <a:bodyPr/>
+          <a:lstStyle/>
+          <a:p>
+            <a:r>
+              <a:rPr lang="en-US" dirty="0" smtClean="0"/>
+              <a:t>Code</a:t>
+            </a:r>
+            <a:endParaRPr lang="bg-BG" dirty="0"/>
+          </a:p>
+        </p:txBody>
+      </p:sp>
+      <p:sp>
+        <p:nvSpPr>
+          <p:cNvPr id="3" name="Content Placeholder 2"/>
+          <p:cNvSpPr>
+            <a:spLocks noGrp="1"/>
+          </p:cNvSpPr>
+          <p:nvPr>
+            <p:ph idx="1"/>
+          </p:nvPr>
+        </p:nvSpPr>
+        <p:spPr/>
+        <p:txBody>
+          <a:bodyPr/>
+          <a:lstStyle/>
+          <a:p>
+            <a:r>
+              <a:rPr lang="en-US" dirty="0" smtClean="0"/>
+              <a:t>How does the XML become a game?</a:t>
+            </a:r>
+            <a:endParaRPr lang="bg-BG" dirty="0"/>
+          </a:p>
+        </p:txBody>
+      </p:sp>
+      <p:pic>
+        <p:nvPicPr>
+          <p:cNvPr id="4" name="Picture 3"/>
+          <p:cNvPicPr>
+            <a:picLocks noChangeAspect="1"/>
+          </p:cNvPicPr>
+          <p:nvPr/>
+        </p:nvPicPr>
+        <p:blipFill>
+          <a:blip r:embed="rId2">
+            <a:extLst>
+              <a:ext uri="{28A0092B-C50C-407E-A947-70E740481C1C}">
+                <a14:useLocalDpi xmlns:a14="http://schemas.microsoft.com/office/drawing/2010/main" val="0"/>
+              </a:ext>
+            </a:extLst>
+          </a:blip>
+          <a:stretch>
+            <a:fillRect/>
+          </a:stretch>
+        </p:blipFill>
+        <p:spPr>
+          <a:xfrm>
+            <a:off x="2029262" y="2885513"/>
+            <a:ext cx="6915977" cy="3814568"/>
+          </a:xfrm>
+          <a:prstGeom prst="rect">
+            <a:avLst/>
+          </a:prstGeom>
+        </p:spPr>
+      </p:pic>
+    </p:spTree>
+    <p:extLst>
+      <p:ext uri="{BB962C8B-B14F-4D97-AF65-F5344CB8AC3E}">
+        <p14:creationId xmlns:p14="http://schemas.microsoft.com/office/powerpoint/2010/main" val="3877547785"/>
+      </p:ext>
+    </p:extLst>
+  </p:cSld>
+  <p:clrMapOvr>
+    <a:masterClrMapping/>
+  </p:clrMapOvr>
+</p:sld>
+</file>
+
+<file path=ppt/slides/slide12.xml><?xml version="1.0" encoding="utf-8"?>
+<p:sld xmlns:a="http://schemas.openxmlformats.org/drawingml/2006/main" xmlns:r="http://schemas.openxmlformats.org/officeDocument/2006/relationships" xmlns:p="http://schemas.openxmlformats.org/presentationml/2006/main">
+  <p:cSld>
+    <p:spTree>
+      <p:nvGrpSpPr>
+        <p:cNvPr id="1" name=""/>
+        <p:cNvGrpSpPr/>
+        <p:nvPr/>
+      </p:nvGrpSpPr>
+      <p:grpSpPr>
+        <a:xfrm>
+          <a:off x="0" y="0"/>
+          <a:ext cx="0" cy="0"/>
+          <a:chOff x="0" y="0"/>
+          <a:chExt cx="0" cy="0"/>
+        </a:xfrm>
+      </p:grpSpPr>
+      <p:sp>
+        <p:nvSpPr>
+          <p:cNvPr id="2" name="Title 1"/>
+          <p:cNvSpPr>
+            <a:spLocks noGrp="1"/>
+          </p:cNvSpPr>
+          <p:nvPr>
+            <p:ph type="title"/>
+          </p:nvPr>
+        </p:nvSpPr>
+        <p:spPr/>
+        <p:txBody>
+          <a:bodyPr/>
+          <a:lstStyle/>
+          <a:p>
+            <a:r>
+              <a:rPr lang="en-US" dirty="0" smtClean="0"/>
+              <a:t>Code</a:t>
+            </a:r>
+            <a:endParaRPr lang="bg-BG" dirty="0"/>
+          </a:p>
+        </p:txBody>
+      </p:sp>
+      <p:sp>
+        <p:nvSpPr>
+          <p:cNvPr id="3" name="Content Placeholder 2"/>
+          <p:cNvSpPr>
+            <a:spLocks noGrp="1"/>
+          </p:cNvSpPr>
+          <p:nvPr>
+            <p:ph idx="1"/>
+          </p:nvPr>
+        </p:nvSpPr>
+        <p:spPr/>
+        <p:txBody>
+          <a:bodyPr/>
+          <a:lstStyle/>
+          <a:p>
+            <a:r>
+              <a:rPr lang="de-DE" dirty="0" smtClean="0"/>
+              <a:t>Third-party libraries used</a:t>
+            </a:r>
+            <a:r>
+              <a:rPr lang="en-US" dirty="0" smtClean="0"/>
+              <a:t>:</a:t>
+            </a:r>
+          </a:p>
+          <a:p>
+            <a:pPr lvl="1"/>
+            <a:r>
+              <a:rPr lang="en-US" dirty="0" err="1" smtClean="0"/>
+              <a:t>BeautifulSoup</a:t>
+            </a:r>
+            <a:r>
+              <a:rPr lang="en-US" dirty="0" smtClean="0"/>
+              <a:t> (MIT) for parsing the XML</a:t>
+            </a:r>
+          </a:p>
+          <a:p>
+            <a:pPr lvl="1"/>
+            <a:r>
+              <a:rPr lang="en-US" dirty="0" smtClean="0"/>
+              <a:t>LXML (</a:t>
+            </a:r>
+            <a:r>
+              <a:rPr lang="de-DE" dirty="0"/>
+              <a:t>BSD</a:t>
+            </a:r>
+            <a:r>
+              <a:rPr lang="en-US" dirty="0" smtClean="0"/>
+              <a:t>) for parsing the XML</a:t>
+            </a:r>
+          </a:p>
+          <a:p>
+            <a:pPr lvl="1"/>
+            <a:r>
+              <a:rPr lang="en-US" dirty="0" err="1" smtClean="0"/>
+              <a:t>Colorama</a:t>
+            </a:r>
+            <a:r>
+              <a:rPr lang="en-US" dirty="0" smtClean="0"/>
+              <a:t> (</a:t>
+            </a:r>
+            <a:r>
+              <a:rPr lang="de-DE" b="1" dirty="0"/>
+              <a:t>BSD </a:t>
+            </a:r>
+            <a:r>
+              <a:rPr lang="de-DE" b="1" dirty="0" smtClean="0"/>
+              <a:t>3-clause</a:t>
+            </a:r>
+            <a:r>
+              <a:rPr lang="en-US" dirty="0" smtClean="0"/>
+              <a:t>) for colorful console output</a:t>
+            </a:r>
+            <a:endParaRPr lang="bg-BG" dirty="0"/>
+          </a:p>
+        </p:txBody>
+      </p:sp>
+    </p:spTree>
+    <p:extLst>
+      <p:ext uri="{BB962C8B-B14F-4D97-AF65-F5344CB8AC3E}">
+        <p14:creationId xmlns:p14="http://schemas.microsoft.com/office/powerpoint/2010/main" val="3912622800"/>
+      </p:ext>
+    </p:extLst>
+  </p:cSld>
+  <p:clrMapOvr>
+    <a:masterClrMapping/>
+  </p:clrMapOvr>
+</p:sld>
+</file>
+
+<file path=ppt/slides/slide13.xml><?xml version="1.0" encoding="utf-8"?>
+<p:sld xmlns:a="http://schemas.openxmlformats.org/drawingml/2006/main" xmlns:r="http://schemas.openxmlformats.org/officeDocument/2006/relationships" xmlns:p="http://schemas.openxmlformats.org/presentationml/2006/main">
+  <p:cSld>
+    <p:spTree>
+      <p:nvGrpSpPr>
+        <p:cNvPr id="1" name=""/>
+        <p:cNvGrpSpPr/>
+        <p:nvPr/>
+      </p:nvGrpSpPr>
+      <p:grpSpPr>
+        <a:xfrm>
+          <a:off x="0" y="0"/>
+          <a:ext cx="0" cy="0"/>
+          <a:chOff x="0" y="0"/>
+          <a:chExt cx="0" cy="0"/>
+        </a:xfrm>
+      </p:grpSpPr>
+      <p:sp>
+        <p:nvSpPr>
+          <p:cNvPr id="2" name="Title 1"/>
+          <p:cNvSpPr>
+            <a:spLocks noGrp="1"/>
+          </p:cNvSpPr>
+          <p:nvPr>
+            <p:ph type="title"/>
+          </p:nvPr>
+        </p:nvSpPr>
+        <p:spPr/>
+        <p:txBody>
+          <a:bodyPr/>
+          <a:lstStyle/>
+          <a:p>
+            <a:r>
+              <a:rPr lang="en-GB" dirty="0" smtClean="0"/>
+              <a:t>Selling Points</a:t>
+            </a:r>
+            <a:endParaRPr lang="en-GB" dirty="0"/>
+          </a:p>
+        </p:txBody>
+      </p:sp>
+      <p:sp>
+        <p:nvSpPr>
+          <p:cNvPr id="3" name="Content Placeholder 2"/>
+          <p:cNvSpPr>
+            <a:spLocks noGrp="1"/>
+          </p:cNvSpPr>
+          <p:nvPr>
+            <p:ph idx="1"/>
+          </p:nvPr>
+        </p:nvSpPr>
+        <p:spPr/>
+        <p:txBody>
+          <a:bodyPr/>
+          <a:lstStyle/>
+          <a:p>
+            <a:r>
+              <a:rPr lang="en-GB" dirty="0" smtClean="0"/>
+              <a:t>First of its kind</a:t>
+            </a:r>
+          </a:p>
+          <a:p>
+            <a:endParaRPr lang="en-GB" dirty="0"/>
+          </a:p>
+          <a:p>
+            <a:r>
+              <a:rPr lang="en-GB" dirty="0" smtClean="0"/>
+              <a:t>Easily expandable and adaptable </a:t>
+            </a:r>
+          </a:p>
+          <a:p>
+            <a:endParaRPr lang="en-GB" dirty="0"/>
+          </a:p>
+          <a:p>
+            <a:r>
+              <a:rPr lang="en-GB" dirty="0" smtClean="0"/>
+              <a:t>Room for sequels</a:t>
+            </a:r>
+          </a:p>
+          <a:p>
+            <a:endParaRPr lang="en-GB" dirty="0"/>
+          </a:p>
+          <a:p>
+            <a:r>
+              <a:rPr lang="en-GB" dirty="0" smtClean="0"/>
+              <a:t>Anyone can play</a:t>
+            </a:r>
+            <a:endParaRPr lang="en-GB" dirty="0"/>
+          </a:p>
+        </p:txBody>
+      </p:sp>
+    </p:spTree>
+    <p:extLst>
+      <p:ext uri="{BB962C8B-B14F-4D97-AF65-F5344CB8AC3E}">
+        <p14:creationId xmlns:p14="http://schemas.microsoft.com/office/powerpoint/2010/main" val="244090456"/>
+      </p:ext>
+    </p:extLst>
+  </p:cSld>
+  <p:clrMapOvr>
+    <a:masterClrMapping/>
+  </p:clrMapOvr>
+  <p:timing>
+    <p:tnLst>
+      <p:par>
+        <p:cTn id="1" dur="indefinite" restart="never" nodeType="tmRoot"/>
+      </p:par>
+    </p:tnLst>
+  </p:timing>
+</p:sld>
+</file>
+
+<file path=ppt/slides/slide14.xml><?xml version="1.0" encoding="utf-8"?>
+<p:sld xmlns:a="http://schemas.openxmlformats.org/drawingml/2006/main" xmlns:r="http://schemas.openxmlformats.org/officeDocument/2006/relationships" xmlns:p="http://schemas.openxmlformats.org/presentationml/2006/main">
+  <p:cSld>
+    <p:spTree>
+      <p:nvGrpSpPr>
+        <p:cNvPr id="1" name=""/>
+        <p:cNvGrpSpPr/>
+        <p:nvPr/>
+      </p:nvGrpSpPr>
+      <p:grpSpPr>
+        <a:xfrm>
+          <a:off x="0" y="0"/>
+          <a:ext cx="0" cy="0"/>
+          <a:chOff x="0" y="0"/>
+          <a:chExt cx="0" cy="0"/>
+        </a:xfrm>
+      </p:grpSpPr>
+      <p:sp>
+        <p:nvSpPr>
+          <p:cNvPr id="2" name="Title 1"/>
+          <p:cNvSpPr>
+            <a:spLocks noGrp="1"/>
+          </p:cNvSpPr>
+          <p:nvPr>
+            <p:ph type="title"/>
+          </p:nvPr>
+        </p:nvSpPr>
+        <p:spPr>
+          <a:xfrm>
+            <a:off x="680319" y="4711615"/>
+            <a:ext cx="9613862" cy="1087823"/>
+          </a:xfrm>
+        </p:spPr>
+        <p:txBody>
+          <a:bodyPr>
+            <a:normAutofit/>
+          </a:bodyPr>
+          <a:lstStyle/>
+          <a:p>
+            <a:pPr algn="ctr"/>
+            <a:r>
+              <a:rPr lang="en-GB" sz="4800" dirty="0" smtClean="0"/>
+              <a:t>Any Questions?</a:t>
+            </a:r>
+            <a:endParaRPr lang="en-GB" sz="4800" dirty="0"/>
+          </a:p>
+        </p:txBody>
+      </p:sp>
+      <p:pic>
+        <p:nvPicPr>
+          <p:cNvPr id="1028" name="Picture 4" descr="Image result for stalin"/>
+          <p:cNvPicPr>
+            <a:picLocks noChangeAspect="1" noChangeArrowheads="1"/>
+          </p:cNvPicPr>
+          <p:nvPr/>
+        </p:nvPicPr>
+        <p:blipFill>
+          <a:blip r:embed="rId2">
+            <a:extLst>
+              <a:ext uri="{28A0092B-C50C-407E-A947-70E740481C1C}">
+                <a14:useLocalDpi xmlns:a14="http://schemas.microsoft.com/office/drawing/2010/main" val="0"/>
+              </a:ext>
+            </a:extLst>
+          </a:blip>
+          <a:srcRect/>
+          <a:stretch>
+            <a:fillRect/>
+          </a:stretch>
+        </p:blipFill>
+        <p:spPr bwMode="auto">
+          <a:xfrm>
+            <a:off x="3859614" y="394904"/>
+            <a:ext cx="3833768" cy="3833769"/>
+          </a:xfrm>
+          <a:prstGeom prst="rect">
+            <a:avLst/>
+          </a:prstGeom>
+          <a:noFill/>
+          <a:extLst>
+            <a:ext uri="{909E8E84-426E-40DD-AFC4-6F175D3DCCD1}">
+              <a14:hiddenFill xmlns:a14="http://schemas.microsoft.com/office/drawing/2010/main">
+                <a:solidFill>
+                  <a:srgbClr val="FFFFFF"/>
+                </a:solidFill>
+              </a14:hiddenFill>
+            </a:ext>
+          </a:extLst>
+        </p:spPr>
+      </p:pic>
+    </p:spTree>
+    <p:extLst>
+      <p:ext uri="{BB962C8B-B14F-4D97-AF65-F5344CB8AC3E}">
+        <p14:creationId xmlns:p14="http://schemas.microsoft.com/office/powerpoint/2010/main" val="2149062673"/>
+      </p:ext>
+    </p:extLst>
+  </p:cSld>
+  <p:clrMapOvr>
+    <a:masterClrMapping/>
+  </p:clrMapOvr>
+  <p:timing>
+    <p:tnLst>
+      <p:par>
+        <p:cTn id="1" dur="indefinite" restart="never" nodeType="tmRoot"/>
+      </p:par>
+    </p:tnLst>
+  </p:timing>
+</p:sld>
+</file>
+
 <file path=ppt/slides/slide2.xml><?xml version="1.0" encoding="utf-8"?>
 <p:sld xmlns:a="http://schemas.openxmlformats.org/drawingml/2006/main" xmlns:r="http://schemas.openxmlformats.org/officeDocument/2006/relationships" xmlns:p="http://schemas.openxmlformats.org/presentationml/2006/main">
   <p:cSld>
@@ -8309,25 +8914,6 @@
           </a:p>
         </p:txBody>
       </p:sp>
-      <p:sp>
-        <p:nvSpPr>
-          <p:cNvPr id="4" name="Text Placeholder 3"/>
-          <p:cNvSpPr>
-            <a:spLocks noGrp="1"/>
-          </p:cNvSpPr>
-          <p:nvPr>
-            <p:ph type="body" idx="1"/>
-          </p:nvPr>
-        </p:nvSpPr>
-        <p:spPr/>
-        <p:txBody>
-          <a:bodyPr/>
-          <a:lstStyle/>
-          <a:p>
-            <a:endParaRPr lang="en-GB"/>
-          </a:p>
-        </p:txBody>
-      </p:sp>
     </p:spTree>
     <p:extLst>
       <p:ext uri="{BB962C8B-B14F-4D97-AF65-F5344CB8AC3E}">
@@ -8365,111 +8951,76 @@
           <a:chExt cx="0" cy="0"/>
         </a:xfrm>
       </p:grpSpPr>
-      <p:sp>
-        <p:nvSpPr>
-          <p:cNvPr id="2" name="Title 1"/>
-          <p:cNvSpPr>
-            <a:spLocks noGrp="1"/>
-          </p:cNvSpPr>
-          <p:nvPr>
-            <p:ph type="title"/>
-          </p:nvPr>
-        </p:nvSpPr>
-        <p:spPr/>
-        <p:txBody>
-          <a:bodyPr/>
-          <a:lstStyle/>
-          <a:p>
-            <a:r>
-              <a:rPr lang="en-GB" dirty="0" smtClean="0"/>
-              <a:t>The Making of the Game</a:t>
-            </a:r>
-            <a:endParaRPr lang="en-GB" dirty="0"/>
-          </a:p>
-        </p:txBody>
-      </p:sp>
-      <p:sp>
-        <p:nvSpPr>
-          <p:cNvPr id="3" name="Content Placeholder 2"/>
-          <p:cNvSpPr>
-            <a:spLocks noGrp="1"/>
-          </p:cNvSpPr>
-          <p:nvPr>
-            <p:ph idx="1"/>
-          </p:nvPr>
-        </p:nvSpPr>
-        <p:spPr>
-          <a:xfrm>
-            <a:off x="680321" y="2345110"/>
-            <a:ext cx="9613861" cy="3940359"/>
-          </a:xfrm>
-        </p:spPr>
-        <p:txBody>
-          <a:bodyPr>
-            <a:normAutofit lnSpcReduction="10000"/>
-          </a:bodyPr>
-          <a:lstStyle/>
-          <a:p>
-            <a:r>
-              <a:rPr lang="en-GB" dirty="0" smtClean="0"/>
-              <a:t>Story focus</a:t>
-            </a:r>
-          </a:p>
-          <a:p>
-            <a:endParaRPr lang="en-GB" dirty="0" smtClean="0"/>
-          </a:p>
-          <a:p>
-            <a:r>
-              <a:rPr lang="en-GB" dirty="0" smtClean="0"/>
-              <a:t>GitHub was our main means of collaboration</a:t>
-            </a:r>
-          </a:p>
-          <a:p>
-            <a:endParaRPr lang="en-GB" dirty="0"/>
-          </a:p>
-          <a:p>
-            <a:r>
-              <a:rPr lang="en-GB" dirty="0" smtClean="0"/>
-              <a:t>Group Meetings, Emails</a:t>
-            </a:r>
-          </a:p>
-          <a:p>
-            <a:endParaRPr lang="en-GB" dirty="0"/>
-          </a:p>
-          <a:p>
-            <a:r>
-              <a:rPr lang="en-GB" dirty="0"/>
-              <a:t>Object Orientated Approach</a:t>
-            </a:r>
-          </a:p>
-          <a:p>
-            <a:endParaRPr lang="en-GB" dirty="0"/>
-          </a:p>
-          <a:p>
-            <a:r>
-              <a:rPr lang="en-GB" dirty="0" smtClean="0"/>
-              <a:t>XML</a:t>
-            </a:r>
-          </a:p>
-        </p:txBody>
-      </p:sp>
+      <p:pic>
+        <p:nvPicPr>
+          <p:cNvPr id="4" name="Picture 3"/>
+          <p:cNvPicPr>
+            <a:picLocks noChangeAspect="1"/>
+          </p:cNvPicPr>
+          <p:nvPr/>
+        </p:nvPicPr>
+        <p:blipFill>
+          <a:blip r:embed="rId2">
+            <a:extLst>
+              <a:ext uri="{28A0092B-C50C-407E-A947-70E740481C1C}">
+                <a14:useLocalDpi xmlns:a14="http://schemas.microsoft.com/office/drawing/2010/main" val="0"/>
+              </a:ext>
+            </a:extLst>
+          </a:blip>
+          <a:stretch>
+            <a:fillRect/>
+          </a:stretch>
+        </p:blipFill>
+        <p:spPr>
+          <a:xfrm>
+            <a:off x="432294" y="235991"/>
+            <a:ext cx="9812119" cy="3277057"/>
+          </a:xfrm>
+          <a:prstGeom prst="rect">
+            <a:avLst/>
+          </a:prstGeom>
+        </p:spPr>
+      </p:pic>
+      <p:pic>
+        <p:nvPicPr>
+          <p:cNvPr id="5" name="Picture 4"/>
+          <p:cNvPicPr>
+            <a:picLocks noChangeAspect="1"/>
+          </p:cNvPicPr>
+          <p:nvPr/>
+        </p:nvPicPr>
+        <p:blipFill>
+          <a:blip r:embed="rId3">
+            <a:extLst>
+              <a:ext uri="{28A0092B-C50C-407E-A947-70E740481C1C}">
+                <a14:useLocalDpi xmlns:a14="http://schemas.microsoft.com/office/drawing/2010/main" val="0"/>
+              </a:ext>
+            </a:extLst>
+          </a:blip>
+          <a:stretch>
+            <a:fillRect/>
+          </a:stretch>
+        </p:blipFill>
+        <p:spPr>
+          <a:xfrm>
+            <a:off x="1571217" y="4018724"/>
+            <a:ext cx="10282994" cy="2199195"/>
+          </a:xfrm>
+          <a:prstGeom prst="rect">
+            <a:avLst/>
+          </a:prstGeom>
+        </p:spPr>
+      </p:pic>
     </p:spTree>
     <p:extLst>
       <p:ext uri="{BB962C8B-B14F-4D97-AF65-F5344CB8AC3E}">
-        <p14:creationId xmlns:p14="http://schemas.microsoft.com/office/powerpoint/2010/main" val="1375129363"/>
+        <p14:creationId xmlns:p14="http://schemas.microsoft.com/office/powerpoint/2010/main" val="3711246716"/>
       </p:ext>
     </p:extLst>
   </p:cSld>
   <p:clrMapOvr>
     <a:masterClrMapping/>
   </p:clrMapOvr>
-  <p:timing>
-    <p:tnLst>
-      <p:par>
-        <p:cTn id="1" dur="indefinite" restart="never" nodeType="tmRoot"/>
-      </p:par>
-    </p:tnLst>
-  </p:timing>
 </p:sld>
 </file>
 
@@ -8490,65 +9041,76 @@
           <a:chExt cx="0" cy="0"/>
         </a:xfrm>
       </p:grpSpPr>
-      <p:sp>
-        <p:nvSpPr>
-          <p:cNvPr id="2" name="Title 1"/>
-          <p:cNvSpPr>
-            <a:spLocks noGrp="1"/>
-          </p:cNvSpPr>
-          <p:nvPr>
-            <p:ph type="title"/>
-          </p:nvPr>
-        </p:nvSpPr>
-        <p:spPr/>
-        <p:txBody>
-          <a:bodyPr/>
-          <a:lstStyle/>
-          <a:p>
-            <a:r>
-              <a:rPr lang="en-GB" dirty="0" smtClean="0"/>
-              <a:t>Code</a:t>
-            </a:r>
-            <a:endParaRPr lang="en-GB" dirty="0"/>
-          </a:p>
-        </p:txBody>
-      </p:sp>
-      <p:sp>
-        <p:nvSpPr>
-          <p:cNvPr id="3" name="Content Placeholder 2"/>
-          <p:cNvSpPr>
-            <a:spLocks noGrp="1"/>
-          </p:cNvSpPr>
-          <p:nvPr>
-            <p:ph idx="1"/>
-          </p:nvPr>
-        </p:nvSpPr>
-        <p:spPr/>
-        <p:txBody>
-          <a:bodyPr/>
-          <a:lstStyle/>
-          <a:p>
-            <a:endParaRPr lang="en-GB"/>
-          </a:p>
-        </p:txBody>
-      </p:sp>
+      <p:pic>
+        <p:nvPicPr>
+          <p:cNvPr id="2" name="Picture 1"/>
+          <p:cNvPicPr>
+            <a:picLocks noChangeAspect="1"/>
+          </p:cNvPicPr>
+          <p:nvPr/>
+        </p:nvPicPr>
+        <p:blipFill>
+          <a:blip r:embed="rId2">
+            <a:extLst>
+              <a:ext uri="{28A0092B-C50C-407E-A947-70E740481C1C}">
+                <a14:useLocalDpi xmlns:a14="http://schemas.microsoft.com/office/drawing/2010/main" val="0"/>
+              </a:ext>
+            </a:extLst>
+          </a:blip>
+          <a:stretch>
+            <a:fillRect/>
+          </a:stretch>
+        </p:blipFill>
+        <p:spPr>
+          <a:xfrm>
+            <a:off x="461782" y="257704"/>
+            <a:ext cx="7965938" cy="2655313"/>
+          </a:xfrm>
+          <a:prstGeom prst="rect">
+            <a:avLst/>
+          </a:prstGeom>
+        </p:spPr>
+      </p:pic>
+      <p:pic>
+        <p:nvPicPr>
+          <p:cNvPr id="3" name="Picture 2"/>
+          <p:cNvPicPr>
+            <a:picLocks noChangeAspect="1"/>
+          </p:cNvPicPr>
+          <p:nvPr/>
+        </p:nvPicPr>
+        <p:blipFill>
+          <a:blip r:embed="rId3">
+            <a:extLst>
+              <a:ext uri="{28A0092B-C50C-407E-A947-70E740481C1C}">
+                <a14:useLocalDpi xmlns:a14="http://schemas.microsoft.com/office/drawing/2010/main" val="0"/>
+              </a:ext>
+            </a:extLst>
+          </a:blip>
+          <a:stretch>
+            <a:fillRect/>
+          </a:stretch>
+        </p:blipFill>
+        <p:spPr>
+          <a:xfrm>
+            <a:off x="2934580" y="3030582"/>
+            <a:ext cx="8830907" cy="3610479"/>
+          </a:xfrm>
+          <a:prstGeom prst="rect">
+            <a:avLst/>
+          </a:prstGeom>
+        </p:spPr>
+      </p:pic>
     </p:spTree>
     <p:extLst>
       <p:ext uri="{BB962C8B-B14F-4D97-AF65-F5344CB8AC3E}">
-        <p14:creationId xmlns:p14="http://schemas.microsoft.com/office/powerpoint/2010/main" val="786924002"/>
+        <p14:creationId xmlns:p14="http://schemas.microsoft.com/office/powerpoint/2010/main" val="3277778767"/>
       </p:ext>
     </p:extLst>
   </p:cSld>
   <p:clrMapOvr>
     <a:masterClrMapping/>
   </p:clrMapOvr>
-  <p:timing>
-    <p:tnLst>
-      <p:par>
-        <p:cTn id="1" dur="indefinite" restart="never" nodeType="tmRoot"/>
-      </p:par>
-    </p:tnLst>
-  </p:timing>
 </p:sld>
 </file>
 
@@ -8586,7 +9148,7 @@
           <a:p>
             <a:r>
               <a:rPr lang="en-GB" dirty="0" smtClean="0"/>
-              <a:t>Selling Points</a:t>
+              <a:t>The Making of the Game</a:t>
             </a:r>
             <a:endParaRPr lang="en-GB" dirty="0"/>
           </a:p>
@@ -8602,14 +9164,30 @@
             <p:ph idx="1"/>
           </p:nvPr>
         </p:nvSpPr>
-        <p:spPr/>
-        <p:txBody>
-          <a:bodyPr/>
+        <p:spPr>
+          <a:xfrm>
+            <a:off x="680321" y="2345110"/>
+            <a:ext cx="9613861" cy="3940359"/>
+          </a:xfrm>
+        </p:spPr>
+        <p:txBody>
+          <a:bodyPr>
+            <a:normAutofit lnSpcReduction="10000"/>
+          </a:bodyPr>
           <a:lstStyle/>
           <a:p>
             <a:r>
               <a:rPr lang="en-GB" dirty="0" smtClean="0"/>
-              <a:t>First of its kind</a:t>
+              <a:t>Story focus</a:t>
+            </a:r>
+          </a:p>
+          <a:p>
+            <a:endParaRPr lang="en-GB" dirty="0" smtClean="0"/>
+          </a:p>
+          <a:p>
+            <a:r>
+              <a:rPr lang="en-GB" dirty="0" smtClean="0"/>
+              <a:t>GitHub was our main means of collaboration</a:t>
             </a:r>
           </a:p>
           <a:p>
@@ -8618,7 +9196,7 @@
           <a:p>
             <a:r>
               <a:rPr lang="en-GB" dirty="0" smtClean="0"/>
-              <a:t>Easily expandable and adaptable </a:t>
+              <a:t>Group Meetings, Emails</a:t>
             </a:r>
           </a:p>
           <a:p>
@@ -8626,26 +9204,25 @@
           </a:p>
           <a:p>
             <a:r>
+              <a:rPr lang="en-GB" dirty="0"/>
+              <a:t>Object Orientated Approach</a:t>
+            </a:r>
+          </a:p>
+          <a:p>
+            <a:endParaRPr lang="en-GB" dirty="0"/>
+          </a:p>
+          <a:p>
+            <a:r>
               <a:rPr lang="en-GB" dirty="0" smtClean="0"/>
-              <a:t>Room for sequels</a:t>
-            </a:r>
-          </a:p>
-          <a:p>
-            <a:endParaRPr lang="en-GB" dirty="0"/>
-          </a:p>
-          <a:p>
-            <a:r>
-              <a:rPr lang="en-GB" dirty="0" smtClean="0"/>
-              <a:t>Anyone can play</a:t>
-            </a:r>
-            <a:endParaRPr lang="en-GB" dirty="0"/>
+              <a:t>XML</a:t>
+            </a:r>
           </a:p>
         </p:txBody>
       </p:sp>
     </p:spTree>
     <p:extLst>
       <p:ext uri="{BB962C8B-B14F-4D97-AF65-F5344CB8AC3E}">
-        <p14:creationId xmlns:p14="http://schemas.microsoft.com/office/powerpoint/2010/main" val="244090456"/>
+        <p14:creationId xmlns:p14="http://schemas.microsoft.com/office/powerpoint/2010/main" val="1375129363"/>
       </p:ext>
     </p:extLst>
   </p:cSld>
@@ -8689,32 +9266,57 @@
             <p:ph type="title"/>
           </p:nvPr>
         </p:nvSpPr>
-        <p:spPr>
-          <a:xfrm>
-            <a:off x="680319" y="4711615"/>
-            <a:ext cx="9613862" cy="1087823"/>
-          </a:xfrm>
-        </p:spPr>
-        <p:txBody>
-          <a:bodyPr>
-            <a:normAutofit/>
-          </a:bodyPr>
+        <p:spPr/>
+        <p:txBody>
+          <a:bodyPr/>
           <a:lstStyle/>
           <a:p>
-            <a:pPr algn="ctr"/>
-            <a:r>
-              <a:rPr lang="en-GB" sz="4800" dirty="0" smtClean="0"/>
-              <a:t>Any Questions?</a:t>
-            </a:r>
-            <a:endParaRPr lang="en-GB" sz="4800" dirty="0"/>
+            <a:r>
+              <a:rPr lang="en-GB" dirty="0" smtClean="0"/>
+              <a:t>Code</a:t>
+            </a:r>
+            <a:endParaRPr lang="en-GB" dirty="0"/>
+          </a:p>
+        </p:txBody>
+      </p:sp>
+      <p:sp>
+        <p:nvSpPr>
+          <p:cNvPr id="3" name="Content Placeholder 2"/>
+          <p:cNvSpPr>
+            <a:spLocks noGrp="1"/>
+          </p:cNvSpPr>
+          <p:nvPr>
+            <p:ph idx="1"/>
+          </p:nvPr>
+        </p:nvSpPr>
+        <p:spPr>
+          <a:xfrm>
+            <a:off x="680321" y="2336873"/>
+            <a:ext cx="9639336" cy="3593664"/>
+          </a:xfrm>
+        </p:spPr>
+        <p:txBody>
+          <a:bodyPr/>
+          <a:lstStyle/>
+          <a:p>
+            <a:r>
+              <a:rPr lang="en-GB" dirty="0" smtClean="0"/>
+              <a:t>Objects are stored in XML files</a:t>
+            </a:r>
+          </a:p>
+          <a:p>
+            <a:pPr marL="0" indent="0">
+              <a:buNone/>
+            </a:pPr>
+            <a:endParaRPr lang="en-GB" dirty="0"/>
           </a:p>
         </p:txBody>
       </p:sp>
       <p:pic>
         <p:nvPicPr>
-          <p:cNvPr id="1028" name="Picture 4" descr="Image result for stalin"/>
+          <p:cNvPr id="4" name="Picture 3"/>
           <p:cNvPicPr>
-            <a:picLocks noChangeAspect="1" noChangeArrowheads="1"/>
+            <a:picLocks noChangeAspect="1"/>
           </p:cNvPicPr>
           <p:nvPr/>
         </p:nvPicPr>
@@ -8726,35 +9328,54 @@
               </a:ext>
             </a:extLst>
           </a:blip>
-          <a:srcRect/>
           <a:stretch>
             <a:fillRect/>
           </a:stretch>
         </p:blipFill>
-        <p:spPr bwMode="auto">
-          <a:xfrm>
-            <a:off x="3859614" y="394904"/>
-            <a:ext cx="3833768" cy="3833769"/>
+        <p:spPr>
+          <a:xfrm>
+            <a:off x="680321" y="2819251"/>
+            <a:ext cx="5591955" cy="2133898"/>
           </a:xfrm>
           <a:prstGeom prst="rect">
             <a:avLst/>
           </a:prstGeom>
-          <a:noFill/>
-          <a:extLst>
-            <a:ext uri="{909E8E84-426E-40DD-AFC4-6F175D3DCCD1}">
-              <a14:hiddenFill xmlns:a14="http://schemas.microsoft.com/office/drawing/2010/main">
-                <a:solidFill>
-                  <a:srgbClr val="FFFFFF"/>
-                </a:solidFill>
-              </a14:hiddenFill>
-            </a:ext>
-          </a:extLst>
+        </p:spPr>
+      </p:pic>
+      <p:pic>
+        <p:nvPicPr>
+          <p:cNvPr id="5" name="Picture 4"/>
+          <p:cNvPicPr>
+            <a:picLocks noChangeAspect="1"/>
+          </p:cNvPicPr>
+          <p:nvPr/>
+        </p:nvPicPr>
+        <p:blipFill>
+          <a:blip r:embed="rId3">
+            <a:extLst>
+              <a:ext uri="{28A0092B-C50C-407E-A947-70E740481C1C}">
+                <a14:useLocalDpi xmlns:a14="http://schemas.microsoft.com/office/drawing/2010/main" val="0"/>
+              </a:ext>
+            </a:extLst>
+          </a:blip>
+          <a:stretch>
+            <a:fillRect/>
+          </a:stretch>
+        </p:blipFill>
+        <p:spPr>
+          <a:xfrm>
+            <a:off x="4119764" y="4009276"/>
+            <a:ext cx="6931414" cy="2292987"/>
+          </a:xfrm>
+          <a:prstGeom prst="rect">
+            <a:avLst/>
+          </a:prstGeom>
         </p:spPr>
       </p:pic>
     </p:spTree>
     <p:extLst>
       <p:ext uri="{BB962C8B-B14F-4D97-AF65-F5344CB8AC3E}">
-        <p14:creationId xmlns:p14="http://schemas.microsoft.com/office/powerpoint/2010/main" val="2149062673"/>
+        <p14:creationId xmlns:p14="http://schemas.microsoft.com/office/powerpoint/2010/main" val="786924002"/>
       </p:ext>
     </p:extLst>
   </p:cSld>
